--- a/宣道詩/(宣道詩10)堅固磐石.pptx
+++ b/宣道詩/(宣道詩10)堅固磐石.pptx
@@ -320,7 +320,7 @@
           <a:p>
             <a:fld id="{3E752336-5A0B-43D5-AB76-69E8C7656278}" type="datetimeFigureOut">
               <a:rPr lang="zh-TW" altLang="en-US" smtClean="0"/>
-              <a:t>2021/7/28</a:t>
+              <a:t>2022/7/16</a:t>
             </a:fld>
             <a:endParaRPr lang="zh-TW" altLang="en-US"/>
           </a:p>
@@ -490,7 +490,7 @@
           <a:p>
             <a:fld id="{3E752336-5A0B-43D5-AB76-69E8C7656278}" type="datetimeFigureOut">
               <a:rPr lang="zh-TW" altLang="en-US" smtClean="0"/>
-              <a:t>2021/7/28</a:t>
+              <a:t>2022/7/16</a:t>
             </a:fld>
             <a:endParaRPr lang="zh-TW" altLang="en-US"/>
           </a:p>
@@ -670,7 +670,7 @@
           <a:p>
             <a:fld id="{3E752336-5A0B-43D5-AB76-69E8C7656278}" type="datetimeFigureOut">
               <a:rPr lang="zh-TW" altLang="en-US" smtClean="0"/>
-              <a:t>2021/7/28</a:t>
+              <a:t>2022/7/16</a:t>
             </a:fld>
             <a:endParaRPr lang="zh-TW" altLang="en-US"/>
           </a:p>
@@ -840,7 +840,7 @@
           <a:p>
             <a:fld id="{3E752336-5A0B-43D5-AB76-69E8C7656278}" type="datetimeFigureOut">
               <a:rPr lang="zh-TW" altLang="en-US" smtClean="0"/>
-              <a:t>2021/7/28</a:t>
+              <a:t>2022/7/16</a:t>
             </a:fld>
             <a:endParaRPr lang="zh-TW" altLang="en-US"/>
           </a:p>
@@ -1086,7 +1086,7 @@
           <a:p>
             <a:fld id="{3E752336-5A0B-43D5-AB76-69E8C7656278}" type="datetimeFigureOut">
               <a:rPr lang="zh-TW" altLang="en-US" smtClean="0"/>
-              <a:t>2021/7/28</a:t>
+              <a:t>2022/7/16</a:t>
             </a:fld>
             <a:endParaRPr lang="zh-TW" altLang="en-US"/>
           </a:p>
@@ -1374,7 +1374,7 @@
           <a:p>
             <a:fld id="{3E752336-5A0B-43D5-AB76-69E8C7656278}" type="datetimeFigureOut">
               <a:rPr lang="zh-TW" altLang="en-US" smtClean="0"/>
-              <a:t>2021/7/28</a:t>
+              <a:t>2022/7/16</a:t>
             </a:fld>
             <a:endParaRPr lang="zh-TW" altLang="en-US"/>
           </a:p>
@@ -1796,7 +1796,7 @@
           <a:p>
             <a:fld id="{3E752336-5A0B-43D5-AB76-69E8C7656278}" type="datetimeFigureOut">
               <a:rPr lang="zh-TW" altLang="en-US" smtClean="0"/>
-              <a:t>2021/7/28</a:t>
+              <a:t>2022/7/16</a:t>
             </a:fld>
             <a:endParaRPr lang="zh-TW" altLang="en-US"/>
           </a:p>
@@ -1914,7 +1914,7 @@
           <a:p>
             <a:fld id="{3E752336-5A0B-43D5-AB76-69E8C7656278}" type="datetimeFigureOut">
               <a:rPr lang="zh-TW" altLang="en-US" smtClean="0"/>
-              <a:t>2021/7/28</a:t>
+              <a:t>2022/7/16</a:t>
             </a:fld>
             <a:endParaRPr lang="zh-TW" altLang="en-US"/>
           </a:p>
@@ -2009,7 +2009,7 @@
           <a:p>
             <a:fld id="{3E752336-5A0B-43D5-AB76-69E8C7656278}" type="datetimeFigureOut">
               <a:rPr lang="zh-TW" altLang="en-US" smtClean="0"/>
-              <a:t>2021/7/28</a:t>
+              <a:t>2022/7/16</a:t>
             </a:fld>
             <a:endParaRPr lang="zh-TW" altLang="en-US"/>
           </a:p>
@@ -2286,7 +2286,7 @@
           <a:p>
             <a:fld id="{3E752336-5A0B-43D5-AB76-69E8C7656278}" type="datetimeFigureOut">
               <a:rPr lang="zh-TW" altLang="en-US" smtClean="0"/>
-              <a:t>2021/7/28</a:t>
+              <a:t>2022/7/16</a:t>
             </a:fld>
             <a:endParaRPr lang="zh-TW" altLang="en-US"/>
           </a:p>
@@ -2543,7 +2543,7 @@
           <a:p>
             <a:fld id="{3E752336-5A0B-43D5-AB76-69E8C7656278}" type="datetimeFigureOut">
               <a:rPr lang="zh-TW" altLang="en-US" smtClean="0"/>
-              <a:t>2021/7/28</a:t>
+              <a:t>2022/7/16</a:t>
             </a:fld>
             <a:endParaRPr lang="zh-TW" altLang="en-US"/>
           </a:p>
@@ -2761,7 +2761,7 @@
           <a:p>
             <a:fld id="{3E752336-5A0B-43D5-AB76-69E8C7656278}" type="datetimeFigureOut">
               <a:rPr lang="zh-TW" altLang="en-US" smtClean="0"/>
-              <a:t>2021/7/28</a:t>
+              <a:t>2022/7/16</a:t>
             </a:fld>
             <a:endParaRPr lang="zh-TW" altLang="en-US"/>
           </a:p>
@@ -3240,24 +3240,7 @@
                 <a:latin typeface="微軟正黑體" pitchFamily="34" charset="-120"/>
                 <a:ea typeface="微軟正黑體" pitchFamily="34" charset="-120"/>
               </a:rPr>
-              <a:t>堅</a:t>
-            </a:r>
-            <a:r>
-              <a:rPr lang="zh-TW" altLang="en-US" sz="8000" b="1" dirty="0">
-                <a:solidFill>
-                  <a:srgbClr val="660033"/>
-                </a:solidFill>
-                <a:effectLst>
-                  <a:outerShdw blurRad="38100" dist="38100" dir="2700000" algn="tl">
-                    <a:srgbClr val="000000">
-                      <a:alpha val="43137"/>
-                    </a:srgbClr>
-                  </a:outerShdw>
-                </a:effectLst>
-                <a:latin typeface="微軟正黑體" pitchFamily="34" charset="-120"/>
-                <a:ea typeface="微軟正黑體" pitchFamily="34" charset="-120"/>
-              </a:rPr>
-              <a:t>固磐石</a:t>
+              <a:t>堅固磐石</a:t>
             </a:r>
           </a:p>
         </p:txBody>
@@ -3381,7 +3364,23 @@
                   <a:srgbClr val="660033"/>
                 </a:solidFill>
               </a:rPr>
-              <a:t>( 3 )</a:t>
+              <a:t>( </a:t>
+            </a:r>
+            <a:r>
+              <a:rPr lang="en-US" sz="5400" b="1" dirty="0" smtClean="0">
+                <a:solidFill>
+                  <a:srgbClr val="660033"/>
+                </a:solidFill>
+              </a:rPr>
+              <a:t>3 </a:t>
+            </a:r>
+            <a:r>
+              <a:rPr lang="en-US" sz="5400" b="1" dirty="0">
+                <a:solidFill>
+                  <a:srgbClr val="660033"/>
+                </a:solidFill>
+              </a:rPr>
+              <a:t>/ 4 )</a:t>
             </a:r>
             <a:endParaRPr lang="vi-VN" sz="5400" b="1" dirty="0">
               <a:solidFill>
@@ -3461,17 +3460,7 @@
                 <a:latin typeface="Microsoft JhengHei" pitchFamily="34" charset="-120"/>
                 <a:ea typeface="Microsoft JhengHei" pitchFamily="34" charset="-120"/>
               </a:rPr>
-              <a:t>良</a:t>
-            </a:r>
-            <a:r>
-              <a:rPr lang="zh-TW" altLang="en-US" sz="6400" b="1" dirty="0">
-                <a:solidFill>
-                  <a:srgbClr val="660033"/>
-                </a:solidFill>
-                <a:latin typeface="Microsoft JhengHei" pitchFamily="34" charset="-120"/>
-                <a:ea typeface="Microsoft JhengHei" pitchFamily="34" charset="-120"/>
-              </a:rPr>
-              <a:t>朋</a:t>
+              <a:t>良朋</a:t>
             </a:r>
             <a:r>
               <a:rPr lang="zh-CN" altLang="en-US" sz="6400" b="1" dirty="0">
@@ -3491,8 +3480,13 @@
                 <a:latin typeface="Microsoft JhengHei" pitchFamily="34" charset="-120"/>
                 <a:ea typeface="Microsoft JhengHei" pitchFamily="34" charset="-120"/>
               </a:rPr>
-              <a:t>友</a:t>
-            </a:r>
+              <a:t>友雖都遠離</a:t>
+            </a:r>
+          </a:p>
+          <a:p>
+            <a:pPr algn="ctr">
+              <a:buNone/>
+            </a:pPr>
             <a:r>
               <a:rPr lang="zh-TW" altLang="en-US" sz="6400" b="1" dirty="0">
                 <a:solidFill>
@@ -3501,32 +3495,7 @@
                 <a:latin typeface="Microsoft JhengHei" pitchFamily="34" charset="-120"/>
                 <a:ea typeface="Microsoft JhengHei" pitchFamily="34" charset="-120"/>
               </a:rPr>
-              <a:t>雖都遠離</a:t>
-            </a:r>
-          </a:p>
-          <a:p>
-            <a:pPr algn="ctr">
-              <a:buNone/>
-            </a:pPr>
-            <a:r>
-              <a:rPr lang="zh-TW" altLang="en-US" sz="6400" b="1" dirty="0">
-                <a:solidFill>
-                  <a:srgbClr val="660033"/>
-                </a:solidFill>
-                <a:latin typeface="Microsoft JhengHei" pitchFamily="34" charset="-120"/>
-                <a:ea typeface="Microsoft JhengHei" pitchFamily="34" charset="-120"/>
-              </a:rPr>
-              <a:t>我靠救</a:t>
-            </a:r>
-            <a:r>
-              <a:rPr lang="zh-TW" altLang="en-US" sz="6400" b="1" dirty="0">
-                <a:solidFill>
-                  <a:srgbClr val="660033"/>
-                </a:solidFill>
-                <a:latin typeface="Microsoft JhengHei" pitchFamily="34" charset="-120"/>
-                <a:ea typeface="Microsoft JhengHei" pitchFamily="34" charset="-120"/>
-              </a:rPr>
-              <a:t>主</a:t>
+              <a:t>我靠救主</a:t>
             </a:r>
             <a:r>
               <a:rPr lang="zh-CN" altLang="en-US" sz="6400" b="1" dirty="0">
@@ -3546,17 +3515,7 @@
                 <a:latin typeface="Microsoft JhengHei" pitchFamily="34" charset="-120"/>
                 <a:ea typeface="Microsoft JhengHei" pitchFamily="34" charset="-120"/>
               </a:rPr>
-              <a:t>慰</a:t>
-            </a:r>
-            <a:r>
-              <a:rPr lang="zh-TW" altLang="en-US" sz="6400" b="1" dirty="0">
-                <a:solidFill>
-                  <a:srgbClr val="660033"/>
-                </a:solidFill>
-                <a:latin typeface="Microsoft JhengHei" pitchFamily="34" charset="-120"/>
-                <a:ea typeface="Microsoft JhengHei" pitchFamily="34" charset="-120"/>
-              </a:rPr>
-              <a:t>到底</a:t>
+              <a:t>慰到底</a:t>
             </a:r>
           </a:p>
         </p:txBody>
@@ -3590,7 +3549,7 @@
                   <a:srgbClr val="660033"/>
                 </a:solidFill>
               </a:rPr>
-              <a:t>( 3 )</a:t>
+              <a:t>( 3 / 4 )</a:t>
             </a:r>
             <a:endParaRPr lang="vi-VN" sz="5400" b="1" dirty="0">
               <a:solidFill>
@@ -3670,17 +3629,7 @@
                 <a:latin typeface="Microsoft JhengHei" pitchFamily="34" charset="-120"/>
                 <a:ea typeface="Microsoft JhengHei" pitchFamily="34" charset="-120"/>
               </a:rPr>
-              <a:t>立在基督磐石堅</a:t>
-            </a:r>
-            <a:r>
-              <a:rPr lang="zh-TW" altLang="en-US" sz="6400" b="1" dirty="0">
-                <a:solidFill>
-                  <a:srgbClr val="660033"/>
-                </a:solidFill>
-                <a:latin typeface="Microsoft JhengHei" pitchFamily="34" charset="-120"/>
-                <a:ea typeface="Microsoft JhengHei" pitchFamily="34" charset="-120"/>
-              </a:rPr>
-              <a:t>固</a:t>
+              <a:t>立在基督磐石堅固</a:t>
             </a:r>
           </a:p>
           <a:p>
@@ -3697,13 +3646,6 @@
               </a:rPr>
               <a:t>其餘根基全是沙土</a:t>
             </a:r>
-            <a:endParaRPr lang="zh-TW" altLang="en-US" sz="6400" b="1" dirty="0">
-              <a:solidFill>
-                <a:srgbClr val="660033"/>
-              </a:solidFill>
-              <a:latin typeface="Microsoft JhengHei" pitchFamily="34" charset="-120"/>
-              <a:ea typeface="Microsoft JhengHei" pitchFamily="34" charset="-120"/>
-            </a:endParaRPr>
           </a:p>
         </p:txBody>
       </p:sp>
@@ -3777,17 +3719,7 @@
                 <a:latin typeface="Microsoft JhengHei" pitchFamily="34" charset="-120"/>
                 <a:ea typeface="Microsoft JhengHei" pitchFamily="34" charset="-120"/>
               </a:rPr>
-              <a:t>其</a:t>
-            </a:r>
-            <a:r>
-              <a:rPr lang="zh-TW" altLang="en-US" sz="6400" b="1" dirty="0">
-                <a:solidFill>
-                  <a:srgbClr val="660033"/>
-                </a:solidFill>
-                <a:latin typeface="Microsoft JhengHei" pitchFamily="34" charset="-120"/>
-                <a:ea typeface="Microsoft JhengHei" pitchFamily="34" charset="-120"/>
-              </a:rPr>
-              <a:t>餘根基全是沙土</a:t>
+              <a:t>其餘根基全是沙土</a:t>
             </a:r>
           </a:p>
         </p:txBody>
@@ -3918,7 +3850,23 @@
                   <a:srgbClr val="660033"/>
                 </a:solidFill>
               </a:rPr>
-              <a:t>( 4 )</a:t>
+              <a:t>( </a:t>
+            </a:r>
+            <a:r>
+              <a:rPr lang="en-US" sz="5400" b="1" dirty="0" smtClean="0">
+                <a:solidFill>
+                  <a:srgbClr val="660033"/>
+                </a:solidFill>
+              </a:rPr>
+              <a:t>4 </a:t>
+            </a:r>
+            <a:r>
+              <a:rPr lang="en-US" sz="5400" b="1" dirty="0">
+                <a:solidFill>
+                  <a:srgbClr val="660033"/>
+                </a:solidFill>
+              </a:rPr>
+              <a:t>/ 4 )</a:t>
             </a:r>
             <a:endParaRPr lang="vi-VN" sz="5400" b="1" dirty="0">
               <a:solidFill>
@@ -4047,7 +3995,7 @@
                   <a:srgbClr val="660033"/>
                 </a:solidFill>
               </a:rPr>
-              <a:t>( 4 )</a:t>
+              <a:t>( 4 / 4 )</a:t>
             </a:r>
             <a:endParaRPr lang="vi-VN" sz="5400" b="1" dirty="0">
               <a:solidFill>
@@ -4127,17 +4075,7 @@
                 <a:latin typeface="Microsoft JhengHei" pitchFamily="34" charset="-120"/>
                 <a:ea typeface="Microsoft JhengHei" pitchFamily="34" charset="-120"/>
               </a:rPr>
-              <a:t>立在基督磐石堅</a:t>
-            </a:r>
-            <a:r>
-              <a:rPr lang="zh-TW" altLang="en-US" sz="6400" b="1" dirty="0">
-                <a:solidFill>
-                  <a:srgbClr val="660033"/>
-                </a:solidFill>
-                <a:latin typeface="Microsoft JhengHei" pitchFamily="34" charset="-120"/>
-                <a:ea typeface="Microsoft JhengHei" pitchFamily="34" charset="-120"/>
-              </a:rPr>
-              <a:t>固</a:t>
+              <a:t>立在基督磐石堅固</a:t>
             </a:r>
           </a:p>
           <a:p>
@@ -4154,13 +4092,6 @@
               </a:rPr>
               <a:t>其餘根基全是沙土</a:t>
             </a:r>
-            <a:endParaRPr lang="zh-TW" altLang="en-US" sz="6400" b="1" dirty="0">
-              <a:solidFill>
-                <a:srgbClr val="660033"/>
-              </a:solidFill>
-              <a:latin typeface="Microsoft JhengHei" pitchFamily="34" charset="-120"/>
-              <a:ea typeface="Microsoft JhengHei" pitchFamily="34" charset="-120"/>
-            </a:endParaRPr>
           </a:p>
         </p:txBody>
       </p:sp>
@@ -4234,17 +4165,7 @@
                 <a:latin typeface="Microsoft JhengHei" pitchFamily="34" charset="-120"/>
                 <a:ea typeface="Microsoft JhengHei" pitchFamily="34" charset="-120"/>
               </a:rPr>
-              <a:t>其</a:t>
-            </a:r>
-            <a:r>
-              <a:rPr lang="zh-TW" altLang="en-US" sz="6400" b="1" dirty="0">
-                <a:solidFill>
-                  <a:srgbClr val="660033"/>
-                </a:solidFill>
-                <a:latin typeface="Microsoft JhengHei" pitchFamily="34" charset="-120"/>
-                <a:ea typeface="Microsoft JhengHei" pitchFamily="34" charset="-120"/>
-              </a:rPr>
-              <a:t>餘根基全是沙土</a:t>
+              <a:t>其餘根基全是沙土</a:t>
             </a:r>
           </a:p>
         </p:txBody>
@@ -4319,17 +4240,7 @@
                 <a:latin typeface="Microsoft JhengHei" pitchFamily="34" charset="-120"/>
                 <a:ea typeface="Microsoft JhengHei" pitchFamily="34" charset="-120"/>
               </a:rPr>
-              <a:t>我</a:t>
-            </a:r>
-            <a:r>
-              <a:rPr lang="zh-TW" altLang="en-US" sz="6400" b="1" dirty="0">
-                <a:solidFill>
-                  <a:srgbClr val="660033"/>
-                </a:solidFill>
-                <a:latin typeface="Microsoft JhengHei" pitchFamily="34" charset="-120"/>
-                <a:ea typeface="Microsoft JhengHei" pitchFamily="34" charset="-120"/>
-              </a:rPr>
-              <a:t>心所望別無根基</a:t>
+              <a:t>我心所望別無根基</a:t>
             </a:r>
           </a:p>
           <a:p>
@@ -4385,7 +4296,23 @@
                   <a:srgbClr val="660033"/>
                 </a:solidFill>
               </a:rPr>
-              <a:t>( 1 )</a:t>
+              <a:t>( </a:t>
+            </a:r>
+            <a:r>
+              <a:rPr lang="en-US" sz="5400" b="1" dirty="0" smtClean="0">
+                <a:solidFill>
+                  <a:srgbClr val="660033"/>
+                </a:solidFill>
+              </a:rPr>
+              <a:t>1 / 4 </a:t>
+            </a:r>
+            <a:r>
+              <a:rPr lang="en-US" sz="5400" b="1" dirty="0">
+                <a:solidFill>
+                  <a:srgbClr val="660033"/>
+                </a:solidFill>
+              </a:rPr>
+              <a:t>)</a:t>
             </a:r>
             <a:endParaRPr lang="vi-VN" sz="5400" b="1" dirty="0">
               <a:solidFill>
@@ -4465,27 +4392,7 @@
                 <a:latin typeface="Microsoft JhengHei" pitchFamily="34" charset="-120"/>
                 <a:ea typeface="Microsoft JhengHei" pitchFamily="34" charset="-120"/>
               </a:rPr>
-              <a:t>除此以</a:t>
-            </a:r>
-            <a:r>
-              <a:rPr lang="zh-TW" altLang="en-US" sz="6400" b="1" dirty="0">
-                <a:solidFill>
-                  <a:srgbClr val="660033"/>
-                </a:solidFill>
-                <a:latin typeface="Microsoft JhengHei" pitchFamily="34" charset="-120"/>
-                <a:ea typeface="Microsoft JhengHei" pitchFamily="34" charset="-120"/>
-              </a:rPr>
-              <a:t>外虛空無</a:t>
-            </a:r>
-            <a:r>
-              <a:rPr lang="zh-TW" altLang="en-US" sz="6400" b="1" dirty="0">
-                <a:solidFill>
-                  <a:srgbClr val="660033"/>
-                </a:solidFill>
-                <a:latin typeface="Microsoft JhengHei" pitchFamily="34" charset="-120"/>
-                <a:ea typeface="Microsoft JhengHei" pitchFamily="34" charset="-120"/>
-              </a:rPr>
-              <a:t>憑</a:t>
+              <a:t>除此以外虛空無憑</a:t>
             </a:r>
           </a:p>
           <a:p>
@@ -4534,7 +4441,7 @@
                   <a:srgbClr val="660033"/>
                 </a:solidFill>
               </a:rPr>
-              <a:t>( 1 )</a:t>
+              <a:t>( 1 / 4 )</a:t>
             </a:r>
             <a:endParaRPr lang="vi-VN" sz="5400" b="1" dirty="0">
               <a:solidFill>
@@ -4614,17 +4521,7 @@
                 <a:latin typeface="Microsoft JhengHei" pitchFamily="34" charset="-120"/>
                 <a:ea typeface="Microsoft JhengHei" pitchFamily="34" charset="-120"/>
               </a:rPr>
-              <a:t>立在基督磐石堅</a:t>
-            </a:r>
-            <a:r>
-              <a:rPr lang="zh-TW" altLang="en-US" sz="6400" b="1" dirty="0">
-                <a:solidFill>
-                  <a:srgbClr val="660033"/>
-                </a:solidFill>
-                <a:latin typeface="Microsoft JhengHei" pitchFamily="34" charset="-120"/>
-                <a:ea typeface="Microsoft JhengHei" pitchFamily="34" charset="-120"/>
-              </a:rPr>
-              <a:t>固</a:t>
+              <a:t>立在基督磐石堅固</a:t>
             </a:r>
           </a:p>
           <a:p>
@@ -4641,13 +4538,6 @@
               </a:rPr>
               <a:t>其餘根基全是沙土</a:t>
             </a:r>
-            <a:endParaRPr lang="zh-TW" altLang="en-US" sz="6400" b="1" dirty="0">
-              <a:solidFill>
-                <a:srgbClr val="660033"/>
-              </a:solidFill>
-              <a:latin typeface="Microsoft JhengHei" pitchFamily="34" charset="-120"/>
-              <a:ea typeface="Microsoft JhengHei" pitchFamily="34" charset="-120"/>
-            </a:endParaRPr>
           </a:p>
         </p:txBody>
       </p:sp>
@@ -4721,17 +4611,7 @@
                 <a:latin typeface="Microsoft JhengHei" pitchFamily="34" charset="-120"/>
                 <a:ea typeface="Microsoft JhengHei" pitchFamily="34" charset="-120"/>
               </a:rPr>
-              <a:t>其</a:t>
-            </a:r>
-            <a:r>
-              <a:rPr lang="zh-TW" altLang="en-US" sz="6400" b="1" dirty="0">
-                <a:solidFill>
-                  <a:srgbClr val="660033"/>
-                </a:solidFill>
-                <a:latin typeface="Microsoft JhengHei" pitchFamily="34" charset="-120"/>
-                <a:ea typeface="Microsoft JhengHei" pitchFamily="34" charset="-120"/>
-              </a:rPr>
-              <a:t>餘根基全是沙土</a:t>
+              <a:t>其餘根基全是沙土</a:t>
             </a:r>
           </a:p>
         </p:txBody>
@@ -4862,7 +4742,23 @@
                   <a:srgbClr val="660033"/>
                 </a:solidFill>
               </a:rPr>
-              <a:t>( 2 )</a:t>
+              <a:t>( </a:t>
+            </a:r>
+            <a:r>
+              <a:rPr lang="en-US" sz="5400" b="1" dirty="0" smtClean="0">
+                <a:solidFill>
+                  <a:srgbClr val="660033"/>
+                </a:solidFill>
+              </a:rPr>
+              <a:t>2 </a:t>
+            </a:r>
+            <a:r>
+              <a:rPr lang="en-US" sz="5400" b="1" dirty="0">
+                <a:solidFill>
+                  <a:srgbClr val="660033"/>
+                </a:solidFill>
+              </a:rPr>
+              <a:t>/ 4 )</a:t>
             </a:r>
             <a:endParaRPr lang="vi-VN" sz="5400" b="1" dirty="0">
               <a:solidFill>
@@ -4991,7 +4887,7 @@
                   <a:srgbClr val="660033"/>
                 </a:solidFill>
               </a:rPr>
-              <a:t>( 2 )</a:t>
+              <a:t>( 2 / 4 )</a:t>
             </a:r>
             <a:endParaRPr lang="vi-VN" sz="5400" b="1" dirty="0">
               <a:solidFill>
@@ -5071,17 +4967,7 @@
                 <a:latin typeface="Microsoft JhengHei" pitchFamily="34" charset="-120"/>
                 <a:ea typeface="Microsoft JhengHei" pitchFamily="34" charset="-120"/>
               </a:rPr>
-              <a:t>立在基督磐石堅</a:t>
-            </a:r>
-            <a:r>
-              <a:rPr lang="zh-TW" altLang="en-US" sz="6400" b="1" dirty="0">
-                <a:solidFill>
-                  <a:srgbClr val="660033"/>
-                </a:solidFill>
-                <a:latin typeface="Microsoft JhengHei" pitchFamily="34" charset="-120"/>
-                <a:ea typeface="Microsoft JhengHei" pitchFamily="34" charset="-120"/>
-              </a:rPr>
-              <a:t>固</a:t>
+              <a:t>立在基督磐石堅固</a:t>
             </a:r>
           </a:p>
           <a:p>
@@ -5098,13 +4984,6 @@
               </a:rPr>
               <a:t>其餘根基全是沙土</a:t>
             </a:r>
-            <a:endParaRPr lang="zh-TW" altLang="en-US" sz="6400" b="1" dirty="0">
-              <a:solidFill>
-                <a:srgbClr val="660033"/>
-              </a:solidFill>
-              <a:latin typeface="Microsoft JhengHei" pitchFamily="34" charset="-120"/>
-              <a:ea typeface="Microsoft JhengHei" pitchFamily="34" charset="-120"/>
-            </a:endParaRPr>
           </a:p>
         </p:txBody>
       </p:sp>
@@ -5178,17 +5057,7 @@
                 <a:latin typeface="Microsoft JhengHei" pitchFamily="34" charset="-120"/>
                 <a:ea typeface="Microsoft JhengHei" pitchFamily="34" charset="-120"/>
               </a:rPr>
-              <a:t>其</a:t>
-            </a:r>
-            <a:r>
-              <a:rPr lang="zh-TW" altLang="en-US" sz="6400" b="1" dirty="0">
-                <a:solidFill>
-                  <a:srgbClr val="660033"/>
-                </a:solidFill>
-                <a:latin typeface="Microsoft JhengHei" pitchFamily="34" charset="-120"/>
-                <a:ea typeface="Microsoft JhengHei" pitchFamily="34" charset="-120"/>
-              </a:rPr>
-              <a:t>餘根基全是沙土</a:t>
+              <a:t>其餘根基全是沙土</a:t>
             </a:r>
           </a:p>
         </p:txBody>
